--- a/복습정리자료/spring 3주차 정리(kyungmin).pptx
+++ b/복습정리자료/spring 3주차 정리(kyungmin).pptx
@@ -113,6 +113,11 @@
       </a:defRPr>
     </a:lvl9pPr>
   </p:defaultTextStyle>
+  <p:extLst>
+    <p:ext uri="{EFAFB233-063F-42B5-8137-9DF3F51BA10A}">
+      <p15:sldGuideLst xmlns:p15="http://schemas.microsoft.com/office/powerpoint/2012/main"/>
+    </p:ext>
+  </p:extLst>
 </p:presentation>
 </file>
 
@@ -4364,10 +4369,23 @@
                 <a:effectLst/>
                 <a:latin typeface="Helvetica Neue" panose="02000503000000020004" pitchFamily="2" charset="0"/>
               </a:rPr>
-              <a:t> 데이터를 삽입하고 </a:t>
+              <a:t> </a:t>
+            </a:r>
+            <a:r>
+              <a:rPr lang="ko-KR" altLang="en-US" dirty="0">
+                <a:solidFill>
+                  <a:srgbClr val="FF0000"/>
+                </a:solidFill>
+                <a:effectLst/>
+                <a:latin typeface="Helvetica Neue" panose="02000503000000020004" pitchFamily="2" charset="0"/>
+              </a:rPr>
+              <a:t>데이터를 삽입하고 </a:t>
             </a:r>
             <a:r>
               <a:rPr lang="en" altLang="ko-Kore-KR" dirty="0">
+                <a:solidFill>
+                  <a:srgbClr val="FF0000"/>
+                </a:solidFill>
                 <a:effectLst/>
                 <a:latin typeface="Helvetica Neue" panose="02000503000000020004" pitchFamily="2" charset="0"/>
               </a:rPr>
@@ -4375,6 +4393,9 @@
             </a:r>
             <a:r>
               <a:rPr lang="ko-KR" altLang="en-US" dirty="0">
+                <a:solidFill>
+                  <a:srgbClr val="FF0000"/>
+                </a:solidFill>
                 <a:effectLst/>
                 <a:latin typeface="Helvetica Neue" panose="02000503000000020004" pitchFamily="2" charset="0"/>
               </a:rPr>
@@ -4382,6 +4403,9 @@
             </a:r>
             <a:r>
               <a:rPr lang="en-US" altLang="ko-KR" dirty="0">
+                <a:solidFill>
+                  <a:srgbClr val="FF0000"/>
+                </a:solidFill>
                 <a:effectLst/>
                 <a:latin typeface="Helvetica Neue" panose="02000503000000020004" pitchFamily="2" charset="0"/>
               </a:rPr>
@@ -4409,10 +4433,24 @@
                 <a:latin typeface="Helvetica Neue" panose="02000503000000020004" pitchFamily="2" charset="0"/>
                 <a:ea typeface="Apple SD Gothic Neo" panose="02000300000000000000" pitchFamily="2" charset="-127"/>
               </a:rPr>
-              <a:t> JDBC </a:t>
+              <a:t> </a:t>
+            </a:r>
+            <a:r>
+              <a:rPr lang="en" altLang="ko-Kore-KR" dirty="0">
+                <a:solidFill>
+                  <a:srgbClr val="FF0000"/>
+                </a:solidFill>
+                <a:effectLst/>
+                <a:latin typeface="Helvetica Neue" panose="02000503000000020004" pitchFamily="2" charset="0"/>
+                <a:ea typeface="Apple SD Gothic Neo" panose="02000300000000000000" pitchFamily="2" charset="-127"/>
+              </a:rPr>
+              <a:t>JDBC </a:t>
             </a:r>
             <a:r>
               <a:rPr lang="ko-KR" altLang="en-US" dirty="0">
+                <a:solidFill>
+                  <a:srgbClr val="FF0000"/>
+                </a:solidFill>
                 <a:effectLst/>
                 <a:latin typeface="Apple SD Gothic Neo" panose="02000300000000000000" pitchFamily="2" charset="-127"/>
                 <a:ea typeface="Apple SD Gothic Neo" panose="02000300000000000000" pitchFamily="2" charset="-127"/>
@@ -4421,6 +4459,9 @@
             </a:r>
             <a:r>
               <a:rPr lang="ko-KR" altLang="en-US" dirty="0">
+                <a:solidFill>
+                  <a:srgbClr val="FF0000"/>
+                </a:solidFill>
                 <a:effectLst/>
                 <a:latin typeface="Helvetica Neue" panose="02000503000000020004" pitchFamily="2" charset="0"/>
                 <a:ea typeface="Apple SD Gothic Neo" panose="02000300000000000000" pitchFamily="2" charset="-127"/>
@@ -4429,6 +4470,9 @@
             </a:r>
             <a:r>
               <a:rPr lang="ko-KR" altLang="en-US" dirty="0">
+                <a:solidFill>
+                  <a:srgbClr val="FF0000"/>
+                </a:solidFill>
                 <a:effectLst/>
                 <a:latin typeface="Apple SD Gothic Neo" panose="02000300000000000000" pitchFamily="2" charset="-127"/>
                 <a:ea typeface="Apple SD Gothic Neo" panose="02000300000000000000" pitchFamily="2" charset="-127"/>
@@ -4437,6 +4481,9 @@
             </a:r>
             <a:r>
               <a:rPr lang="ko-KR" altLang="en-US" dirty="0">
+                <a:solidFill>
+                  <a:srgbClr val="FF0000"/>
+                </a:solidFill>
                 <a:effectLst/>
                 <a:latin typeface="Helvetica Neue" panose="02000503000000020004" pitchFamily="2" charset="0"/>
                 <a:ea typeface="Apple SD Gothic Neo" panose="02000300000000000000" pitchFamily="2" charset="-127"/>
@@ -4445,6 +4492,9 @@
             </a:r>
             <a:r>
               <a:rPr lang="en" altLang="ko-Kore-KR" dirty="0">
+                <a:solidFill>
+                  <a:srgbClr val="FF0000"/>
+                </a:solidFill>
                 <a:effectLst/>
                 <a:latin typeface="Helvetica Neue" panose="02000503000000020004" pitchFamily="2" charset="0"/>
                 <a:ea typeface="Apple SD Gothic Neo" panose="02000300000000000000" pitchFamily="2" charset="-127"/>
@@ -4453,6 +4503,9 @@
             </a:r>
             <a:r>
               <a:rPr lang="ko-KR" altLang="en-US" dirty="0">
+                <a:solidFill>
+                  <a:srgbClr val="FF0000"/>
+                </a:solidFill>
                 <a:effectLst/>
                 <a:latin typeface="Apple SD Gothic Neo" panose="02000300000000000000" pitchFamily="2" charset="-127"/>
                 <a:ea typeface="Apple SD Gothic Neo" panose="02000300000000000000" pitchFamily="2" charset="-127"/>
@@ -4461,6 +4514,9 @@
             </a:r>
             <a:r>
               <a:rPr lang="ko-KR" altLang="en-US" dirty="0">
+                <a:solidFill>
+                  <a:srgbClr val="FF0000"/>
+                </a:solidFill>
                 <a:effectLst/>
                 <a:latin typeface="Helvetica Neue" panose="02000503000000020004" pitchFamily="2" charset="0"/>
                 <a:ea typeface="Apple SD Gothic Neo" panose="02000300000000000000" pitchFamily="2" charset="-127"/>
@@ -4469,6 +4525,9 @@
             </a:r>
             <a:r>
               <a:rPr lang="ko-KR" altLang="en-US" dirty="0">
+                <a:solidFill>
+                  <a:srgbClr val="FF0000"/>
+                </a:solidFill>
                 <a:effectLst/>
                 <a:latin typeface="Apple SD Gothic Neo" panose="02000300000000000000" pitchFamily="2" charset="-127"/>
                 <a:ea typeface="Apple SD Gothic Neo" panose="02000300000000000000" pitchFamily="2" charset="-127"/>
@@ -4477,6 +4536,9 @@
             </a:r>
             <a:r>
               <a:rPr lang="ko-KR" altLang="en-US" dirty="0">
+                <a:solidFill>
+                  <a:srgbClr val="FF0000"/>
+                </a:solidFill>
                 <a:effectLst/>
                 <a:latin typeface="Helvetica Neue" panose="02000503000000020004" pitchFamily="2" charset="0"/>
                 <a:ea typeface="Apple SD Gothic Neo" panose="02000300000000000000" pitchFamily="2" charset="-127"/>
@@ -4485,6 +4547,9 @@
             </a:r>
             <a:r>
               <a:rPr lang="ko-KR" altLang="en-US" dirty="0">
+                <a:solidFill>
+                  <a:srgbClr val="FF0000"/>
+                </a:solidFill>
                 <a:effectLst/>
                 <a:latin typeface="Apple SD Gothic Neo" panose="02000300000000000000" pitchFamily="2" charset="-127"/>
                 <a:ea typeface="Apple SD Gothic Neo" panose="02000300000000000000" pitchFamily="2" charset="-127"/>
@@ -4493,6 +4558,9 @@
             </a:r>
             <a:r>
               <a:rPr lang="ko-KR" altLang="en-US" dirty="0">
+                <a:solidFill>
+                  <a:srgbClr val="FF0000"/>
+                </a:solidFill>
                 <a:effectLst/>
                 <a:latin typeface="Helvetica Neue" panose="02000503000000020004" pitchFamily="2" charset="0"/>
                 <a:ea typeface="Apple SD Gothic Neo" panose="02000300000000000000" pitchFamily="2" charset="-127"/>
@@ -4501,6 +4569,9 @@
             </a:r>
             <a:r>
               <a:rPr lang="ko-KR" altLang="en-US" dirty="0">
+                <a:solidFill>
+                  <a:srgbClr val="FF0000"/>
+                </a:solidFill>
                 <a:effectLst/>
                 <a:latin typeface="Apple SD Gothic Neo" panose="02000300000000000000" pitchFamily="2" charset="-127"/>
                 <a:ea typeface="Apple SD Gothic Neo" panose="02000300000000000000" pitchFamily="2" charset="-127"/>
@@ -4509,6 +4580,9 @@
             </a:r>
             <a:r>
               <a:rPr lang="ko-KR" altLang="en-US" dirty="0">
+                <a:solidFill>
+                  <a:srgbClr val="FF0000"/>
+                </a:solidFill>
                 <a:effectLst/>
                 <a:latin typeface="Helvetica Neue" panose="02000503000000020004" pitchFamily="2" charset="0"/>
                 <a:ea typeface="Apple SD Gothic Neo" panose="02000300000000000000" pitchFamily="2" charset="-127"/>
@@ -4517,6 +4591,9 @@
             </a:r>
             <a:r>
               <a:rPr lang="ko-KR" altLang="en-US" dirty="0">
+                <a:solidFill>
+                  <a:srgbClr val="FF0000"/>
+                </a:solidFill>
                 <a:effectLst/>
                 <a:latin typeface="Apple SD Gothic Neo" panose="02000300000000000000" pitchFamily="2" charset="-127"/>
                 <a:ea typeface="Apple SD Gothic Neo" panose="02000300000000000000" pitchFamily="2" charset="-127"/>
@@ -4525,6 +4602,9 @@
             </a:r>
             <a:r>
               <a:rPr lang="en-US" altLang="ko-KR" dirty="0">
+                <a:solidFill>
+                  <a:srgbClr val="FF0000"/>
+                </a:solidFill>
                 <a:effectLst/>
                 <a:latin typeface="Helvetica Neue" panose="02000503000000020004" pitchFamily="2" charset="0"/>
                 <a:ea typeface="Apple SD Gothic Neo" panose="02000300000000000000" pitchFamily="2" charset="-127"/>
@@ -4533,6 +4613,9 @@
             </a:r>
             <a:r>
               <a:rPr lang="ko-KR" altLang="en-US" dirty="0">
+                <a:solidFill>
+                  <a:srgbClr val="FF0000"/>
+                </a:solidFill>
                 <a:effectLst/>
                 <a:latin typeface="Apple SD Gothic Neo" panose="02000300000000000000" pitchFamily="2" charset="-127"/>
                 <a:ea typeface="Apple SD Gothic Neo" panose="02000300000000000000" pitchFamily="2" charset="-127"/>
@@ -4541,6 +4624,9 @@
             </a:r>
             <a:r>
               <a:rPr lang="ko-KR" altLang="en-US" dirty="0">
+                <a:solidFill>
+                  <a:srgbClr val="FF0000"/>
+                </a:solidFill>
                 <a:effectLst/>
                 <a:latin typeface="Helvetica Neue" panose="02000503000000020004" pitchFamily="2" charset="0"/>
                 <a:ea typeface="Apple SD Gothic Neo" panose="02000300000000000000" pitchFamily="2" charset="-127"/>
@@ -4549,6 +4635,9 @@
             </a:r>
             <a:r>
               <a:rPr lang="ko-KR" altLang="en-US" dirty="0">
+                <a:solidFill>
+                  <a:srgbClr val="FF0000"/>
+                </a:solidFill>
                 <a:effectLst/>
                 <a:latin typeface="Apple SD Gothic Neo" panose="02000300000000000000" pitchFamily="2" charset="-127"/>
                 <a:ea typeface="Apple SD Gothic Neo" panose="02000300000000000000" pitchFamily="2" charset="-127"/>
@@ -4557,6 +4646,9 @@
             </a:r>
             <a:r>
               <a:rPr lang="en-US" altLang="ko-KR" dirty="0">
+                <a:solidFill>
+                  <a:srgbClr val="FF0000"/>
+                </a:solidFill>
                 <a:effectLst/>
                 <a:latin typeface="Helvetica Neue" panose="02000503000000020004" pitchFamily="2" charset="0"/>
                 <a:ea typeface="Apple SD Gothic Neo" panose="02000300000000000000" pitchFamily="2" charset="-127"/>
@@ -4564,6 +4656,9 @@
               <a:t>. </a:t>
             </a:r>
             <a:endParaRPr lang="ko-KR" altLang="en-US" dirty="0">
+              <a:solidFill>
+                <a:srgbClr val="FF0000"/>
+              </a:solidFill>
               <a:effectLst/>
               <a:latin typeface="Apple SD Gothic Neo" panose="02000300000000000000" pitchFamily="2" charset="-127"/>
               <a:ea typeface="Apple SD Gothic Neo" panose="02000300000000000000" pitchFamily="2" charset="-127"/>
@@ -4887,7 +4982,10 @@
               <a:buAutoNum type="arabicPeriod"/>
             </a:pPr>
             <a:r>
-              <a:rPr lang="en" altLang="ko-Kore-KR" sz="1500" i="0" u="none" strike="noStrike" dirty="0" err="1">
+              <a:rPr lang="en" altLang="ko-Kore-KR" sz="1500" b="1" i="0" u="none" strike="noStrike" dirty="0" err="1">
+                <a:solidFill>
+                  <a:srgbClr val="FF0000"/>
+                </a:solidFill>
                 <a:effectLst/>
                 <a:latin typeface="+mn-ea"/>
                 <a:cs typeface="Helvetica Neue" panose="02000503000000020004" pitchFamily="2" charset="0"/>
@@ -4895,7 +4993,10 @@
               <a:t>JdbcTemplate</a:t>
             </a:r>
             <a:r>
-              <a:rPr lang="en" altLang="ko-Kore-KR" sz="1500" i="0" u="none" strike="noStrike" dirty="0">
+              <a:rPr lang="en" altLang="ko-Kore-KR" sz="1500" b="1" i="0" u="none" strike="noStrike" dirty="0">
+                <a:solidFill>
+                  <a:srgbClr val="FF0000"/>
+                </a:solidFill>
                 <a:effectLst/>
                 <a:latin typeface="+mn-ea"/>
                 <a:cs typeface="Helvetica Neue" panose="02000503000000020004" pitchFamily="2" charset="0"/>
@@ -4903,7 +5004,10 @@
               <a:t>: </a:t>
             </a:r>
             <a:r>
-              <a:rPr lang="ko-KR" altLang="en-US" sz="1500" i="0" u="none" strike="noStrike" dirty="0">
+              <a:rPr lang="ko-KR" altLang="en-US" sz="1500" b="1" i="0" u="none" strike="noStrike" dirty="0">
+                <a:solidFill>
+                  <a:srgbClr val="FF0000"/>
+                </a:solidFill>
                 <a:effectLst/>
                 <a:latin typeface="+mn-ea"/>
                 <a:cs typeface="Helvetica Neue" panose="02000503000000020004" pitchFamily="2" charset="0"/>
@@ -4911,7 +5015,10 @@
               <a:t>이는 </a:t>
             </a:r>
             <a:r>
-              <a:rPr lang="en" altLang="ko-Kore-KR" sz="1500" i="0" u="none" strike="noStrike" dirty="0">
+              <a:rPr lang="en" altLang="ko-Kore-KR" sz="1500" b="1" i="0" u="none" strike="noStrike" dirty="0">
+                <a:solidFill>
+                  <a:srgbClr val="FF0000"/>
+                </a:solidFill>
                 <a:effectLst/>
                 <a:latin typeface="+mn-ea"/>
                 <a:cs typeface="Helvetica Neue" panose="02000503000000020004" pitchFamily="2" charset="0"/>
@@ -4919,7 +5026,10 @@
               <a:t>Spring JDBC</a:t>
             </a:r>
             <a:r>
-              <a:rPr lang="ko-KR" altLang="en-US" sz="1500" i="0" u="none" strike="noStrike" dirty="0">
+              <a:rPr lang="ko-KR" altLang="en-US" sz="1500" b="1" i="0" u="none" strike="noStrike" dirty="0">
+                <a:solidFill>
+                  <a:srgbClr val="FF0000"/>
+                </a:solidFill>
                 <a:effectLst/>
                 <a:latin typeface="+mn-ea"/>
                 <a:cs typeface="Helvetica Neue" panose="02000503000000020004" pitchFamily="2" charset="0"/>
@@ -4927,7 +5037,10 @@
               <a:t>의 핵심 클래스로</a:t>
             </a:r>
             <a:r>
-              <a:rPr lang="en-US" altLang="ko-KR" sz="1500" i="0" u="none" strike="noStrike" dirty="0">
+              <a:rPr lang="en-US" altLang="ko-KR" sz="1500" b="1" i="0" u="none" strike="noStrike" dirty="0">
+                <a:solidFill>
+                  <a:srgbClr val="FF0000"/>
+                </a:solidFill>
                 <a:effectLst/>
                 <a:latin typeface="+mn-ea"/>
                 <a:cs typeface="Helvetica Neue" panose="02000503000000020004" pitchFamily="2" charset="0"/>
@@ -4935,7 +5048,10 @@
               <a:t>, </a:t>
             </a:r>
             <a:r>
-              <a:rPr lang="en" altLang="ko-Kore-KR" sz="1500" i="0" u="none" strike="noStrike" dirty="0">
+              <a:rPr lang="en" altLang="ko-Kore-KR" sz="1500" b="1" i="0" u="none" strike="noStrike" dirty="0">
+                <a:solidFill>
+                  <a:srgbClr val="FF0000"/>
+                </a:solidFill>
                 <a:effectLst/>
                 <a:latin typeface="+mn-ea"/>
                 <a:cs typeface="Helvetica Neue" panose="02000503000000020004" pitchFamily="2" charset="0"/>
@@ -4943,7 +5059,10 @@
               <a:t>JDBC </a:t>
             </a:r>
             <a:r>
-              <a:rPr lang="ko-KR" altLang="en-US" sz="1500" i="0" u="none" strike="noStrike" dirty="0">
+              <a:rPr lang="ko-KR" altLang="en-US" sz="1500" b="1" i="0" u="none" strike="noStrike" dirty="0">
+                <a:solidFill>
+                  <a:srgbClr val="FF0000"/>
+                </a:solidFill>
                 <a:effectLst/>
                 <a:latin typeface="+mn-ea"/>
                 <a:cs typeface="Helvetica Neue" panose="02000503000000020004" pitchFamily="2" charset="0"/>
@@ -4951,7 +5070,10 @@
               <a:t>작업을 간소화하고 코드의 중복성을 줄여줍니다</a:t>
             </a:r>
             <a:r>
-              <a:rPr lang="en-US" altLang="ko-KR" sz="1500" i="0" u="none" strike="noStrike" dirty="0">
+              <a:rPr lang="en-US" altLang="ko-KR" sz="1500" b="1" i="0" u="none" strike="noStrike" dirty="0">
+                <a:solidFill>
+                  <a:srgbClr val="FF0000"/>
+                </a:solidFill>
                 <a:effectLst/>
                 <a:latin typeface="+mn-ea"/>
                 <a:cs typeface="Helvetica Neue" panose="02000503000000020004" pitchFamily="2" charset="0"/>
